--- a/aws_sra_examples/solutions/shield_advanced/shield_advanced/documentation/shield.pptx
+++ b/aws_sra_examples/solutions/shield_advanced/shield_advanced/documentation/shield.pptx
@@ -197,7 +197,7 @@
           <a:p>
             <a:fld id="{FD8D84E3-00BA-4A46-8256-7E527D8B4480}" type="datetimeFigureOut">
               <a:rPr lang="en-US" smtClean="0"/>
-              <a:t>12/21/23</a:t>
+              <a:t>1/18/24</a:t>
             </a:fld>
             <a:endParaRPr lang="en-US"/>
           </a:p>
@@ -695,7 +695,7 @@
           <a:p>
             <a:fld id="{9FE185F7-9B28-9F45-9F43-9CB5A0B99390}" type="datetimeFigureOut">
               <a:rPr lang="en-US" smtClean="0"/>
-              <a:t>12/21/23</a:t>
+              <a:t>1/18/24</a:t>
             </a:fld>
             <a:endParaRPr lang="en-US"/>
           </a:p>
@@ -893,7 +893,7 @@
           <a:p>
             <a:fld id="{9FE185F7-9B28-9F45-9F43-9CB5A0B99390}" type="datetimeFigureOut">
               <a:rPr lang="en-US" smtClean="0"/>
-              <a:t>12/21/23</a:t>
+              <a:t>1/18/24</a:t>
             </a:fld>
             <a:endParaRPr lang="en-US"/>
           </a:p>
@@ -1101,7 +1101,7 @@
           <a:p>
             <a:fld id="{9FE185F7-9B28-9F45-9F43-9CB5A0B99390}" type="datetimeFigureOut">
               <a:rPr lang="en-US" smtClean="0"/>
-              <a:t>12/21/23</a:t>
+              <a:t>1/18/24</a:t>
             </a:fld>
             <a:endParaRPr lang="en-US"/>
           </a:p>
@@ -1299,7 +1299,7 @@
           <a:p>
             <a:fld id="{9FE185F7-9B28-9F45-9F43-9CB5A0B99390}" type="datetimeFigureOut">
               <a:rPr lang="en-US" smtClean="0"/>
-              <a:t>12/21/23</a:t>
+              <a:t>1/18/24</a:t>
             </a:fld>
             <a:endParaRPr lang="en-US"/>
           </a:p>
@@ -1574,7 +1574,7 @@
           <a:p>
             <a:fld id="{9FE185F7-9B28-9F45-9F43-9CB5A0B99390}" type="datetimeFigureOut">
               <a:rPr lang="en-US" smtClean="0"/>
-              <a:t>12/21/23</a:t>
+              <a:t>1/18/24</a:t>
             </a:fld>
             <a:endParaRPr lang="en-US"/>
           </a:p>
@@ -1839,7 +1839,7 @@
           <a:p>
             <a:fld id="{9FE185F7-9B28-9F45-9F43-9CB5A0B99390}" type="datetimeFigureOut">
               <a:rPr lang="en-US" smtClean="0"/>
-              <a:t>12/21/23</a:t>
+              <a:t>1/18/24</a:t>
             </a:fld>
             <a:endParaRPr lang="en-US"/>
           </a:p>
@@ -2251,7 +2251,7 @@
           <a:p>
             <a:fld id="{9FE185F7-9B28-9F45-9F43-9CB5A0B99390}" type="datetimeFigureOut">
               <a:rPr lang="en-US" smtClean="0"/>
-              <a:t>12/21/23</a:t>
+              <a:t>1/18/24</a:t>
             </a:fld>
             <a:endParaRPr lang="en-US"/>
           </a:p>
@@ -2392,7 +2392,7 @@
           <a:p>
             <a:fld id="{9FE185F7-9B28-9F45-9F43-9CB5A0B99390}" type="datetimeFigureOut">
               <a:rPr lang="en-US" smtClean="0"/>
-              <a:t>12/21/23</a:t>
+              <a:t>1/18/24</a:t>
             </a:fld>
             <a:endParaRPr lang="en-US"/>
           </a:p>
@@ -2505,7 +2505,7 @@
           <a:p>
             <a:fld id="{9FE185F7-9B28-9F45-9F43-9CB5A0B99390}" type="datetimeFigureOut">
               <a:rPr lang="en-US" smtClean="0"/>
-              <a:t>12/21/23</a:t>
+              <a:t>1/18/24</a:t>
             </a:fld>
             <a:endParaRPr lang="en-US"/>
           </a:p>
@@ -2816,7 +2816,7 @@
           <a:p>
             <a:fld id="{9FE185F7-9B28-9F45-9F43-9CB5A0B99390}" type="datetimeFigureOut">
               <a:rPr lang="en-US" smtClean="0"/>
-              <a:t>12/21/23</a:t>
+              <a:t>1/18/24</a:t>
             </a:fld>
             <a:endParaRPr lang="en-US"/>
           </a:p>
@@ -3104,7 +3104,7 @@
           <a:p>
             <a:fld id="{9FE185F7-9B28-9F45-9F43-9CB5A0B99390}" type="datetimeFigureOut">
               <a:rPr lang="en-US" smtClean="0"/>
-              <a:t>12/21/23</a:t>
+              <a:t>1/18/24</a:t>
             </a:fld>
             <a:endParaRPr lang="en-US"/>
           </a:p>
@@ -3345,7 +3345,7 @@
           <a:p>
             <a:fld id="{9FE185F7-9B28-9F45-9F43-9CB5A0B99390}" type="datetimeFigureOut">
               <a:rPr lang="en-US" smtClean="0"/>
-              <a:t>12/21/23</a:t>
+              <a:t>1/18/24</a:t>
             </a:fld>
             <a:endParaRPr lang="en-US"/>
           </a:p>
@@ -3949,7 +3949,7 @@
         </p:blipFill>
         <p:spPr>
           <a:xfrm>
-            <a:off x="935491" y="287785"/>
+            <a:off x="935491" y="278907"/>
             <a:ext cx="330200" cy="330200"/>
           </a:xfrm>
           <a:prstGeom prst="rect">
@@ -6555,7 +6555,7 @@
                 <a:latin typeface="Arial" panose="020B0604020202020204" pitchFamily="34" charset="0"/>
                 <a:cs typeface="Arial" panose="020B0604020202020204" pitchFamily="34" charset="0"/>
               </a:rPr>
-              <a:t>1.8</a:t>
+              <a:t>1.9</a:t>
             </a:r>
           </a:p>
         </p:txBody>
@@ -6675,7 +6675,7 @@
                 <a:latin typeface="Arial" panose="020B0604020202020204" pitchFamily="34" charset="0"/>
                 <a:cs typeface="Arial" panose="020B0604020202020204" pitchFamily="34" charset="0"/>
               </a:rPr>
-              <a:t>1.7</a:t>
+              <a:t>1.8</a:t>
             </a:r>
           </a:p>
         </p:txBody>
@@ -7227,7 +7227,7 @@
                 <a:latin typeface="Arial" panose="020B0604020202020204" pitchFamily="34" charset="0"/>
                 <a:cs typeface="Arial" panose="020B0604020202020204" pitchFamily="34" charset="0"/>
               </a:rPr>
-              <a:t>1.6</a:t>
+              <a:t>1.7</a:t>
             </a:r>
           </a:p>
         </p:txBody>
@@ -7287,7 +7287,7 @@
                 <a:latin typeface="Arial" panose="020B0604020202020204" pitchFamily="34" charset="0"/>
                 <a:cs typeface="Arial" panose="020B0604020202020204" pitchFamily="34" charset="0"/>
               </a:rPr>
-              <a:t>1.9</a:t>
+              <a:t>1.10</a:t>
             </a:r>
           </a:p>
         </p:txBody>
@@ -7875,7 +7875,7 @@
                 <a:latin typeface="Arial" panose="020B0604020202020204" pitchFamily="34" charset="0"/>
                 <a:cs typeface="Arial" panose="020B0604020202020204" pitchFamily="34" charset="0"/>
               </a:rPr>
-              <a:t>1.10</a:t>
+              <a:t>1.11</a:t>
             </a:r>
           </a:p>
         </p:txBody>
@@ -8082,185 +8082,40 @@
       </p:sp>
       <p:pic>
         <p:nvPicPr>
-          <p:cNvPr id="77" name="Graphic 17">
-            <a:extLst>
-              <a:ext uri="{FF2B5EF4-FFF2-40B4-BE49-F238E27FC236}">
-                <a16:creationId xmlns:a16="http://schemas.microsoft.com/office/drawing/2014/main" id="{27AF73AB-5D15-4CA5-BA38-45F8E14C915F}"/>
+          <p:cNvPr id="8" name="Picture 7">
+            <a:extLst>
+              <a:ext uri="{FF2B5EF4-FFF2-40B4-BE49-F238E27FC236}">
+                <a16:creationId xmlns:a16="http://schemas.microsoft.com/office/drawing/2014/main" id="{5B2A8BB2-2AC9-4DBC-86E2-1B209053B3A2}"/>
               </a:ext>
             </a:extLst>
           </p:cNvPr>
           <p:cNvPicPr>
-            <a:picLocks noChangeAspect="1" noChangeArrowheads="1"/>
+            <a:picLocks noChangeAspect="1"/>
           </p:cNvPicPr>
           <p:nvPr/>
         </p:nvPicPr>
         <p:blipFill>
-          <a:blip r:embed="rId11">
-            <a:extLst>
-              <a:ext uri="{28A0092B-C50C-407E-A947-70E740481C1C}">
-                <a14:useLocalDpi xmlns:a14="http://schemas.microsoft.com/office/drawing/2010/main" val="0"/>
-              </a:ext>
-            </a:extLst>
-          </a:blip>
-          <a:srcRect/>
+          <a:blip r:embed="rId13"/>
           <a:stretch>
             <a:fillRect/>
           </a:stretch>
         </p:blipFill>
-        <p:spPr bwMode="auto">
-          <a:xfrm>
-            <a:off x="3302107" y="1353081"/>
-            <a:ext cx="457200" cy="457200"/>
+        <p:spPr>
+          <a:xfrm>
+            <a:off x="2969897" y="3682300"/>
+            <a:ext cx="457201" cy="419878"/>
           </a:xfrm>
           <a:prstGeom prst="rect">
             <a:avLst/>
           </a:prstGeom>
-          <a:noFill/>
-          <a:ln>
-            <a:noFill/>
-          </a:ln>
-          <a:extLst>
-            <a:ext uri="{909E8E84-426E-40DD-AFC4-6F175D3DCCD1}">
-              <a14:hiddenFill xmlns:a14="http://schemas.microsoft.com/office/drawing/2010/main">
-                <a:solidFill>
-                  <a:srgbClr val="FFFFFF"/>
-                </a:solidFill>
-              </a14:hiddenFill>
-            </a:ext>
-            <a:ext uri="{91240B29-F687-4F45-9708-019B960494DF}">
-              <a14:hiddenLine xmlns:a14="http://schemas.microsoft.com/office/drawing/2010/main" w="9525">
-                <a:solidFill>
-                  <a:srgbClr val="000000"/>
-                </a:solidFill>
-                <a:miter lim="800000"/>
-                <a:headEnd/>
-                <a:tailEnd/>
-              </a14:hiddenLine>
-            </a:ext>
-          </a:extLst>
         </p:spPr>
       </p:pic>
-      <p:sp>
-        <p:nvSpPr>
-          <p:cNvPr id="78" name="TextBox 2">
-            <a:extLst>
-              <a:ext uri="{FF2B5EF4-FFF2-40B4-BE49-F238E27FC236}">
-                <a16:creationId xmlns:a16="http://schemas.microsoft.com/office/drawing/2014/main" id="{02FB2C5D-66AF-41DE-9527-70CCCB402EA9}"/>
-              </a:ext>
-            </a:extLst>
-          </p:cNvPr>
-          <p:cNvSpPr txBox="1"/>
-          <p:nvPr/>
-        </p:nvSpPr>
-        <p:spPr>
-          <a:xfrm>
-            <a:off x="3068058" y="1759618"/>
-            <a:ext cx="917042" cy="261610"/>
-          </a:xfrm>
-          <a:prstGeom prst="rect">
-            <a:avLst/>
-          </a:prstGeom>
-          <a:noFill/>
-        </p:spPr>
-        <p:style>
-          <a:lnRef idx="0">
-            <a:scrgbClr r="0" g="0" b="0"/>
-          </a:lnRef>
-          <a:fillRef idx="0">
-            <a:scrgbClr r="0" g="0" b="0"/>
-          </a:fillRef>
-          <a:effectRef idx="0">
-            <a:scrgbClr r="0" g="0" b="0"/>
-          </a:effectRef>
-          <a:fontRef idx="major"/>
-        </p:style>
-        <p:txBody>
-          <a:bodyPr wrap="square" rtlCol="0">
-            <a:spAutoFit/>
-          </a:bodyPr>
-          <a:lstStyle>
-            <a:lvl1pPr>
-              <a:defRPr>
-                <a:latin typeface="+mj-lt"/>
-                <a:ea typeface="+mj-ea"/>
-                <a:cs typeface="+mj-cs"/>
-              </a:defRPr>
-            </a:lvl1pPr>
-            <a:lvl2pPr>
-              <a:defRPr>
-                <a:latin typeface="+mj-lt"/>
-                <a:ea typeface="+mj-ea"/>
-                <a:cs typeface="+mj-cs"/>
-              </a:defRPr>
-            </a:lvl2pPr>
-            <a:lvl3pPr>
-              <a:defRPr>
-                <a:latin typeface="+mj-lt"/>
-                <a:ea typeface="+mj-ea"/>
-                <a:cs typeface="+mj-cs"/>
-              </a:defRPr>
-            </a:lvl3pPr>
-            <a:lvl4pPr>
-              <a:defRPr>
-                <a:latin typeface="+mj-lt"/>
-                <a:ea typeface="+mj-ea"/>
-                <a:cs typeface="+mj-cs"/>
-              </a:defRPr>
-            </a:lvl4pPr>
-            <a:lvl5pPr>
-              <a:defRPr>
-                <a:latin typeface="+mj-lt"/>
-                <a:ea typeface="+mj-ea"/>
-                <a:cs typeface="+mj-cs"/>
-              </a:defRPr>
-            </a:lvl5pPr>
-            <a:lvl6pPr>
-              <a:defRPr>
-                <a:latin typeface="+mj-lt"/>
-                <a:ea typeface="+mj-ea"/>
-                <a:cs typeface="+mj-cs"/>
-              </a:defRPr>
-            </a:lvl6pPr>
-            <a:lvl7pPr>
-              <a:defRPr>
-                <a:latin typeface="+mj-lt"/>
-                <a:ea typeface="+mj-ea"/>
-                <a:cs typeface="+mj-cs"/>
-              </a:defRPr>
-            </a:lvl7pPr>
-            <a:lvl8pPr>
-              <a:defRPr>
-                <a:latin typeface="+mj-lt"/>
-                <a:ea typeface="+mj-ea"/>
-                <a:cs typeface="+mj-cs"/>
-              </a:defRPr>
-            </a:lvl8pPr>
-            <a:lvl9pPr>
-              <a:defRPr>
-                <a:latin typeface="+mj-lt"/>
-                <a:ea typeface="+mj-ea"/>
-                <a:cs typeface="+mj-cs"/>
-              </a:defRPr>
-            </a:lvl9pPr>
-          </a:lstStyle>
-          <a:p>
-            <a:pPr algn="ctr"/>
-            <a:r>
-              <a:rPr lang="en-US" sz="1100" dirty="0">
-                <a:latin typeface="Arial" panose="020B0604020202020204" pitchFamily="34" charset="0"/>
-                <a:cs typeface="Arial" panose="020B0604020202020204" pitchFamily="34" charset="0"/>
-              </a:rPr>
-              <a:t>SNS Topic</a:t>
-            </a:r>
-          </a:p>
-        </p:txBody>
-      </p:sp>
       <p:cxnSp>
         <p:nvCxnSpPr>
-          <p:cNvPr id="79" name="Straight Arrow Connector 78">
-            <a:extLst>
-              <a:ext uri="{FF2B5EF4-FFF2-40B4-BE49-F238E27FC236}">
-                <a16:creationId xmlns:a16="http://schemas.microsoft.com/office/drawing/2014/main" id="{617B59EC-C0D7-4723-8005-5DA728C6A52B}"/>
+          <p:cNvPr id="84" name="Straight Arrow Connector 83">
+            <a:extLst>
+              <a:ext uri="{FF2B5EF4-FFF2-40B4-BE49-F238E27FC236}">
+                <a16:creationId xmlns:a16="http://schemas.microsoft.com/office/drawing/2014/main" id="{25D0F1E8-5084-4285-8C93-40842C2A5322}"/>
               </a:ext>
             </a:extLst>
           </p:cNvPr>
@@ -8270,15 +8125,14 @@
           <p:nvPr/>
         </p:nvCxnSpPr>
         <p:spPr>
-          <a:xfrm>
-            <a:off x="3962307" y="2056853"/>
-            <a:ext cx="396856" cy="409889"/>
+          <a:xfrm flipV="1">
+            <a:off x="3499838" y="3094488"/>
+            <a:ext cx="867543" cy="555031"/>
           </a:xfrm>
           <a:prstGeom prst="straightConnector1">
             <a:avLst/>
           </a:prstGeom>
           <a:ln>
-            <a:headEnd type="triangle"/>
             <a:tailEnd type="triangle"/>
           </a:ln>
         </p:spPr>
@@ -8299,10 +8153,182 @@
       </p:cxnSp>
       <p:sp>
         <p:nvSpPr>
-          <p:cNvPr id="80" name="Oval 79">
-            <a:extLst>
-              <a:ext uri="{FF2B5EF4-FFF2-40B4-BE49-F238E27FC236}">
-                <a16:creationId xmlns:a16="http://schemas.microsoft.com/office/drawing/2014/main" id="{898F48EF-9CA6-401B-B9E7-28DA5900E244}"/>
+          <p:cNvPr id="103" name="TextBox 26">
+            <a:extLst>
+              <a:ext uri="{FF2B5EF4-FFF2-40B4-BE49-F238E27FC236}">
+                <a16:creationId xmlns:a16="http://schemas.microsoft.com/office/drawing/2014/main" id="{F27CC0B2-1BF7-412E-B09A-3A403B50FFF1}"/>
+              </a:ext>
+            </a:extLst>
+          </p:cNvPr>
+          <p:cNvSpPr txBox="1">
+            <a:spLocks noChangeArrowheads="1"/>
+          </p:cNvSpPr>
+          <p:nvPr/>
+        </p:nvSpPr>
+        <p:spPr bwMode="auto">
+          <a:xfrm>
+            <a:off x="2675255" y="4059529"/>
+            <a:ext cx="969198" cy="430887"/>
+          </a:xfrm>
+          <a:prstGeom prst="rect">
+            <a:avLst/>
+          </a:prstGeom>
+          <a:noFill/>
+          <a:ln>
+            <a:noFill/>
+          </a:ln>
+          <a:extLst>
+            <a:ext uri="{909E8E84-426E-40DD-AFC4-6F175D3DCCD1}">
+              <a14:hiddenFill xmlns:a14="http://schemas.microsoft.com/office/drawing/2010/main">
+                <a:solidFill>
+                  <a:srgbClr val="FFFFFF"/>
+                </a:solidFill>
+              </a14:hiddenFill>
+            </a:ext>
+            <a:ext uri="{91240B29-F687-4F45-9708-019B960494DF}">
+              <a14:hiddenLine xmlns:a14="http://schemas.microsoft.com/office/drawing/2010/main" w="9525">
+                <a:solidFill>
+                  <a:srgbClr val="000000"/>
+                </a:solidFill>
+                <a:miter lim="800000"/>
+                <a:headEnd/>
+                <a:tailEnd/>
+              </a14:hiddenLine>
+            </a:ext>
+          </a:extLst>
+        </p:spPr>
+        <p:txBody>
+          <a:bodyPr wrap="square">
+            <a:spAutoFit/>
+          </a:bodyPr>
+          <a:lstStyle>
+            <a:lvl1pPr>
+              <a:defRPr>
+                <a:solidFill>
+                  <a:schemeClr val="tx1"/>
+                </a:solidFill>
+                <a:latin typeface="Calibri" panose="020F0502020204030204" pitchFamily="34" charset="0"/>
+              </a:defRPr>
+            </a:lvl1pPr>
+            <a:lvl2pPr marL="742950" indent="-285750">
+              <a:defRPr>
+                <a:solidFill>
+                  <a:schemeClr val="tx1"/>
+                </a:solidFill>
+                <a:latin typeface="Calibri" panose="020F0502020204030204" pitchFamily="34" charset="0"/>
+              </a:defRPr>
+            </a:lvl2pPr>
+            <a:lvl3pPr marL="1143000" indent="-228600">
+              <a:defRPr>
+                <a:solidFill>
+                  <a:schemeClr val="tx1"/>
+                </a:solidFill>
+                <a:latin typeface="Calibri" panose="020F0502020204030204" pitchFamily="34" charset="0"/>
+              </a:defRPr>
+            </a:lvl3pPr>
+            <a:lvl4pPr marL="1600200" indent="-228600">
+              <a:defRPr>
+                <a:solidFill>
+                  <a:schemeClr val="tx1"/>
+                </a:solidFill>
+                <a:latin typeface="Calibri" panose="020F0502020204030204" pitchFamily="34" charset="0"/>
+              </a:defRPr>
+            </a:lvl4pPr>
+            <a:lvl5pPr marL="2057400" indent="-228600">
+              <a:defRPr>
+                <a:solidFill>
+                  <a:schemeClr val="tx1"/>
+                </a:solidFill>
+                <a:latin typeface="Calibri" panose="020F0502020204030204" pitchFamily="34" charset="0"/>
+              </a:defRPr>
+            </a:lvl5pPr>
+            <a:lvl6pPr marL="2514600" indent="-228600" eaLnBrk="0" fontAlgn="base" hangingPunct="0">
+              <a:spcBef>
+                <a:spcPct val="0"/>
+              </a:spcBef>
+              <a:spcAft>
+                <a:spcPct val="0"/>
+              </a:spcAft>
+              <a:defRPr>
+                <a:solidFill>
+                  <a:schemeClr val="tx1"/>
+                </a:solidFill>
+                <a:latin typeface="Calibri" panose="020F0502020204030204" pitchFamily="34" charset="0"/>
+              </a:defRPr>
+            </a:lvl6pPr>
+            <a:lvl7pPr marL="2971800" indent="-228600" eaLnBrk="0" fontAlgn="base" hangingPunct="0">
+              <a:spcBef>
+                <a:spcPct val="0"/>
+              </a:spcBef>
+              <a:spcAft>
+                <a:spcPct val="0"/>
+              </a:spcAft>
+              <a:defRPr>
+                <a:solidFill>
+                  <a:schemeClr val="tx1"/>
+                </a:solidFill>
+                <a:latin typeface="Calibri" panose="020F0502020204030204" pitchFamily="34" charset="0"/>
+              </a:defRPr>
+            </a:lvl7pPr>
+            <a:lvl8pPr marL="3429000" indent="-228600" eaLnBrk="0" fontAlgn="base" hangingPunct="0">
+              <a:spcBef>
+                <a:spcPct val="0"/>
+              </a:spcBef>
+              <a:spcAft>
+                <a:spcPct val="0"/>
+              </a:spcAft>
+              <a:defRPr>
+                <a:solidFill>
+                  <a:schemeClr val="tx1"/>
+                </a:solidFill>
+                <a:latin typeface="Calibri" panose="020F0502020204030204" pitchFamily="34" charset="0"/>
+              </a:defRPr>
+            </a:lvl8pPr>
+            <a:lvl9pPr marL="3886200" indent="-228600" eaLnBrk="0" fontAlgn="base" hangingPunct="0">
+              <a:spcBef>
+                <a:spcPct val="0"/>
+              </a:spcBef>
+              <a:spcAft>
+                <a:spcPct val="0"/>
+              </a:spcAft>
+              <a:defRPr>
+                <a:solidFill>
+                  <a:schemeClr val="tx1"/>
+                </a:solidFill>
+                <a:latin typeface="Calibri" panose="020F0502020204030204" pitchFamily="34" charset="0"/>
+              </a:defRPr>
+            </a:lvl9pPr>
+          </a:lstStyle>
+          <a:p>
+            <a:pPr algn="ctr" eaLnBrk="1" hangingPunct="1"/>
+            <a:r>
+              <a:rPr lang="en-US" altLang="en-US" sz="1100" dirty="0">
+                <a:latin typeface="Arial" panose="020B0604020202020204" pitchFamily="34" charset="0"/>
+                <a:ea typeface="Amazon Ember" panose="020B0603020204020204" pitchFamily="34" charset="0"/>
+                <a:cs typeface="Arial" panose="020B0604020202020204" pitchFamily="34" charset="0"/>
+              </a:rPr>
+              <a:t>Lambda</a:t>
+            </a:r>
+          </a:p>
+          <a:p>
+            <a:pPr algn="ctr" eaLnBrk="1" hangingPunct="1"/>
+            <a:r>
+              <a:rPr lang="en-US" altLang="en-US" sz="1100" dirty="0">
+                <a:latin typeface="Arial" panose="020B0604020202020204" pitchFamily="34" charset="0"/>
+                <a:ea typeface="Amazon Ember" panose="020B0603020204020204" pitchFamily="34" charset="0"/>
+                <a:cs typeface="Arial" panose="020B0604020202020204" pitchFamily="34" charset="0"/>
+              </a:rPr>
+              <a:t>Layer</a:t>
+            </a:r>
+          </a:p>
+        </p:txBody>
+      </p:sp>
+      <p:sp>
+        <p:nvSpPr>
+          <p:cNvPr id="117" name="Oval 116">
+            <a:extLst>
+              <a:ext uri="{FF2B5EF4-FFF2-40B4-BE49-F238E27FC236}">
+                <a16:creationId xmlns:a16="http://schemas.microsoft.com/office/drawing/2014/main" id="{09C21C80-03E3-4FAE-8FF6-4549EE21E5CD}"/>
               </a:ext>
             </a:extLst>
           </p:cNvPr>
@@ -8311,8 +8337,8 @@
         </p:nvSpPr>
         <p:spPr>
           <a:xfrm>
-            <a:off x="3335177" y="1412885"/>
-            <a:ext cx="253435" cy="212902"/>
+            <a:off x="2661853" y="3759355"/>
+            <a:ext cx="300569" cy="204616"/>
           </a:xfrm>
           <a:prstGeom prst="ellipse">
             <a:avLst/>
@@ -8352,310 +8378,7 @@
                 <a:latin typeface="Arial" panose="020B0604020202020204" pitchFamily="34" charset="0"/>
                 <a:cs typeface="Arial" panose="020B0604020202020204" pitchFamily="34" charset="0"/>
               </a:rPr>
-              <a:t>1.5</a:t>
-            </a:r>
-          </a:p>
-        </p:txBody>
-      </p:sp>
-      <p:pic>
-        <p:nvPicPr>
-          <p:cNvPr id="8" name="Picture 7">
-            <a:extLst>
-              <a:ext uri="{FF2B5EF4-FFF2-40B4-BE49-F238E27FC236}">
-                <a16:creationId xmlns:a16="http://schemas.microsoft.com/office/drawing/2014/main" id="{5B2A8BB2-2AC9-4DBC-86E2-1B209053B3A2}"/>
-              </a:ext>
-            </a:extLst>
-          </p:cNvPr>
-          <p:cNvPicPr>
-            <a:picLocks noChangeAspect="1"/>
-          </p:cNvPicPr>
-          <p:nvPr/>
-        </p:nvPicPr>
-        <p:blipFill>
-          <a:blip r:embed="rId13"/>
-          <a:stretch>
-            <a:fillRect/>
-          </a:stretch>
-        </p:blipFill>
-        <p:spPr>
-          <a:xfrm>
-            <a:off x="2969897" y="3682300"/>
-            <a:ext cx="457201" cy="419878"/>
-          </a:xfrm>
-          <a:prstGeom prst="rect">
-            <a:avLst/>
-          </a:prstGeom>
-        </p:spPr>
-      </p:pic>
-      <p:cxnSp>
-        <p:nvCxnSpPr>
-          <p:cNvPr id="84" name="Straight Arrow Connector 83">
-            <a:extLst>
-              <a:ext uri="{FF2B5EF4-FFF2-40B4-BE49-F238E27FC236}">
-                <a16:creationId xmlns:a16="http://schemas.microsoft.com/office/drawing/2014/main" id="{25D0F1E8-5084-4285-8C93-40842C2A5322}"/>
-              </a:ext>
-            </a:extLst>
-          </p:cNvPr>
-          <p:cNvCxnSpPr>
-            <a:cxnSpLocks/>
-          </p:cNvCxnSpPr>
-          <p:nvPr/>
-        </p:nvCxnSpPr>
-        <p:spPr>
-          <a:xfrm flipV="1">
-            <a:off x="3499838" y="3094488"/>
-            <a:ext cx="867543" cy="555031"/>
-          </a:xfrm>
-          <a:prstGeom prst="straightConnector1">
-            <a:avLst/>
-          </a:prstGeom>
-          <a:ln>
-            <a:tailEnd type="triangle"/>
-          </a:ln>
-        </p:spPr>
-        <p:style>
-          <a:lnRef idx="1">
-            <a:schemeClr val="dk1"/>
-          </a:lnRef>
-          <a:fillRef idx="0">
-            <a:schemeClr val="dk1"/>
-          </a:fillRef>
-          <a:effectRef idx="0">
-            <a:schemeClr val="dk1"/>
-          </a:effectRef>
-          <a:fontRef idx="minor">
-            <a:schemeClr val="tx1"/>
-          </a:fontRef>
-        </p:style>
-      </p:cxnSp>
-      <p:sp>
-        <p:nvSpPr>
-          <p:cNvPr id="103" name="TextBox 26">
-            <a:extLst>
-              <a:ext uri="{FF2B5EF4-FFF2-40B4-BE49-F238E27FC236}">
-                <a16:creationId xmlns:a16="http://schemas.microsoft.com/office/drawing/2014/main" id="{F27CC0B2-1BF7-412E-B09A-3A403B50FFF1}"/>
-              </a:ext>
-            </a:extLst>
-          </p:cNvPr>
-          <p:cNvSpPr txBox="1">
-            <a:spLocks noChangeArrowheads="1"/>
-          </p:cNvSpPr>
-          <p:nvPr/>
-        </p:nvSpPr>
-        <p:spPr bwMode="auto">
-          <a:xfrm>
-            <a:off x="2675255" y="4059529"/>
-            <a:ext cx="969198" cy="430887"/>
-          </a:xfrm>
-          <a:prstGeom prst="rect">
-            <a:avLst/>
-          </a:prstGeom>
-          <a:noFill/>
-          <a:ln>
-            <a:noFill/>
-          </a:ln>
-          <a:extLst>
-            <a:ext uri="{909E8E84-426E-40DD-AFC4-6F175D3DCCD1}">
-              <a14:hiddenFill xmlns:a14="http://schemas.microsoft.com/office/drawing/2010/main">
-                <a:solidFill>
-                  <a:srgbClr val="FFFFFF"/>
-                </a:solidFill>
-              </a14:hiddenFill>
-            </a:ext>
-            <a:ext uri="{91240B29-F687-4F45-9708-019B960494DF}">
-              <a14:hiddenLine xmlns:a14="http://schemas.microsoft.com/office/drawing/2010/main" w="9525">
-                <a:solidFill>
-                  <a:srgbClr val="000000"/>
-                </a:solidFill>
-                <a:miter lim="800000"/>
-                <a:headEnd/>
-                <a:tailEnd/>
-              </a14:hiddenLine>
-            </a:ext>
-          </a:extLst>
-        </p:spPr>
-        <p:txBody>
-          <a:bodyPr wrap="square">
-            <a:spAutoFit/>
-          </a:bodyPr>
-          <a:lstStyle>
-            <a:lvl1pPr>
-              <a:defRPr>
-                <a:solidFill>
-                  <a:schemeClr val="tx1"/>
-                </a:solidFill>
-                <a:latin typeface="Calibri" panose="020F0502020204030204" pitchFamily="34" charset="0"/>
-              </a:defRPr>
-            </a:lvl1pPr>
-            <a:lvl2pPr marL="742950" indent="-285750">
-              <a:defRPr>
-                <a:solidFill>
-                  <a:schemeClr val="tx1"/>
-                </a:solidFill>
-                <a:latin typeface="Calibri" panose="020F0502020204030204" pitchFamily="34" charset="0"/>
-              </a:defRPr>
-            </a:lvl2pPr>
-            <a:lvl3pPr marL="1143000" indent="-228600">
-              <a:defRPr>
-                <a:solidFill>
-                  <a:schemeClr val="tx1"/>
-                </a:solidFill>
-                <a:latin typeface="Calibri" panose="020F0502020204030204" pitchFamily="34" charset="0"/>
-              </a:defRPr>
-            </a:lvl3pPr>
-            <a:lvl4pPr marL="1600200" indent="-228600">
-              <a:defRPr>
-                <a:solidFill>
-                  <a:schemeClr val="tx1"/>
-                </a:solidFill>
-                <a:latin typeface="Calibri" panose="020F0502020204030204" pitchFamily="34" charset="0"/>
-              </a:defRPr>
-            </a:lvl4pPr>
-            <a:lvl5pPr marL="2057400" indent="-228600">
-              <a:defRPr>
-                <a:solidFill>
-                  <a:schemeClr val="tx1"/>
-                </a:solidFill>
-                <a:latin typeface="Calibri" panose="020F0502020204030204" pitchFamily="34" charset="0"/>
-              </a:defRPr>
-            </a:lvl5pPr>
-            <a:lvl6pPr marL="2514600" indent="-228600" eaLnBrk="0" fontAlgn="base" hangingPunct="0">
-              <a:spcBef>
-                <a:spcPct val="0"/>
-              </a:spcBef>
-              <a:spcAft>
-                <a:spcPct val="0"/>
-              </a:spcAft>
-              <a:defRPr>
-                <a:solidFill>
-                  <a:schemeClr val="tx1"/>
-                </a:solidFill>
-                <a:latin typeface="Calibri" panose="020F0502020204030204" pitchFamily="34" charset="0"/>
-              </a:defRPr>
-            </a:lvl6pPr>
-            <a:lvl7pPr marL="2971800" indent="-228600" eaLnBrk="0" fontAlgn="base" hangingPunct="0">
-              <a:spcBef>
-                <a:spcPct val="0"/>
-              </a:spcBef>
-              <a:spcAft>
-                <a:spcPct val="0"/>
-              </a:spcAft>
-              <a:defRPr>
-                <a:solidFill>
-                  <a:schemeClr val="tx1"/>
-                </a:solidFill>
-                <a:latin typeface="Calibri" panose="020F0502020204030204" pitchFamily="34" charset="0"/>
-              </a:defRPr>
-            </a:lvl7pPr>
-            <a:lvl8pPr marL="3429000" indent="-228600" eaLnBrk="0" fontAlgn="base" hangingPunct="0">
-              <a:spcBef>
-                <a:spcPct val="0"/>
-              </a:spcBef>
-              <a:spcAft>
-                <a:spcPct val="0"/>
-              </a:spcAft>
-              <a:defRPr>
-                <a:solidFill>
-                  <a:schemeClr val="tx1"/>
-                </a:solidFill>
-                <a:latin typeface="Calibri" panose="020F0502020204030204" pitchFamily="34" charset="0"/>
-              </a:defRPr>
-            </a:lvl8pPr>
-            <a:lvl9pPr marL="3886200" indent="-228600" eaLnBrk="0" fontAlgn="base" hangingPunct="0">
-              <a:spcBef>
-                <a:spcPct val="0"/>
-              </a:spcBef>
-              <a:spcAft>
-                <a:spcPct val="0"/>
-              </a:spcAft>
-              <a:defRPr>
-                <a:solidFill>
-                  <a:schemeClr val="tx1"/>
-                </a:solidFill>
-                <a:latin typeface="Calibri" panose="020F0502020204030204" pitchFamily="34" charset="0"/>
-              </a:defRPr>
-            </a:lvl9pPr>
-          </a:lstStyle>
-          <a:p>
-            <a:pPr algn="ctr" eaLnBrk="1" hangingPunct="1"/>
-            <a:r>
-              <a:rPr lang="en-US" altLang="en-US" sz="1100" dirty="0">
-                <a:latin typeface="Arial" panose="020B0604020202020204" pitchFamily="34" charset="0"/>
-                <a:ea typeface="Amazon Ember" panose="020B0603020204020204" pitchFamily="34" charset="0"/>
-                <a:cs typeface="Arial" panose="020B0604020202020204" pitchFamily="34" charset="0"/>
-              </a:rPr>
-              <a:t>Lambda</a:t>
-            </a:r>
-          </a:p>
-          <a:p>
-            <a:pPr algn="ctr" eaLnBrk="1" hangingPunct="1"/>
-            <a:r>
-              <a:rPr lang="en-US" altLang="en-US" sz="1100" dirty="0">
-                <a:latin typeface="Arial" panose="020B0604020202020204" pitchFamily="34" charset="0"/>
-                <a:ea typeface="Amazon Ember" panose="020B0603020204020204" pitchFamily="34" charset="0"/>
-                <a:cs typeface="Arial" panose="020B0604020202020204" pitchFamily="34" charset="0"/>
-              </a:rPr>
-              <a:t>Layer</a:t>
-            </a:r>
-          </a:p>
-        </p:txBody>
-      </p:sp>
-      <p:sp>
-        <p:nvSpPr>
-          <p:cNvPr id="117" name="Oval 116">
-            <a:extLst>
-              <a:ext uri="{FF2B5EF4-FFF2-40B4-BE49-F238E27FC236}">
-                <a16:creationId xmlns:a16="http://schemas.microsoft.com/office/drawing/2014/main" id="{09C21C80-03E3-4FAE-8FF6-4549EE21E5CD}"/>
-              </a:ext>
-            </a:extLst>
-          </p:cNvPr>
-          <p:cNvSpPr/>
-          <p:nvPr/>
-        </p:nvSpPr>
-        <p:spPr>
-          <a:xfrm>
-            <a:off x="2661853" y="3759355"/>
-            <a:ext cx="300569" cy="204616"/>
-          </a:xfrm>
-          <a:prstGeom prst="ellipse">
-            <a:avLst/>
-          </a:prstGeom>
-          <a:solidFill>
-            <a:schemeClr val="tx1"/>
-          </a:solidFill>
-          <a:ln>
-            <a:solidFill>
-              <a:schemeClr val="tx1"/>
-            </a:solidFill>
-          </a:ln>
-        </p:spPr>
-        <p:style>
-          <a:lnRef idx="2">
-            <a:schemeClr val="accent1">
-              <a:shade val="50000"/>
-            </a:schemeClr>
-          </a:lnRef>
-          <a:fillRef idx="1">
-            <a:schemeClr val="accent1"/>
-          </a:fillRef>
-          <a:effectRef idx="0">
-            <a:schemeClr val="accent1"/>
-          </a:effectRef>
-          <a:fontRef idx="minor">
-            <a:schemeClr val="lt1"/>
-          </a:fontRef>
-        </p:style>
-        <p:txBody>
-          <a:bodyPr lIns="0" tIns="0" rIns="0" bIns="0" rtlCol="0" anchor="ctr"/>
-          <a:lstStyle/>
-          <a:p>
-            <a:pPr algn="ctr"/>
-            <a:r>
-              <a:rPr lang="en-US" sz="800" dirty="0">
-                <a:latin typeface="Arial" panose="020B0604020202020204" pitchFamily="34" charset="0"/>
-                <a:cs typeface="Arial" panose="020B0604020202020204" pitchFamily="34" charset="0"/>
-              </a:rPr>
-              <a:t>1.11</a:t>
+              <a:t>1.12</a:t>
             </a:r>
           </a:p>
         </p:txBody>
